--- a/Code/NoteBook/Test/foo.pptx
+++ b/Code/NoteBook/Test/foo.pptx
@@ -8,6 +8,8 @@
     <p:sldId id="256" r:id="rId2"/>
     <p:sldId id="257" r:id="rId3"/>
     <p:sldId id="258" r:id="rId4"/>
+    <p:sldId id="260" r:id="rId5"/>
+    <p:sldId id="259" r:id="rId6"/>
   </p:sldIdLst>
   <p:sldSz cx="12192000" cy="6858000"/>
   <p:notesSz cx="6858000" cy="9144000"/>
@@ -106,6 +108,11 @@
       </a:defRPr>
     </a:lvl9pPr>
   </p:defaultTextStyle>
+  <p:extLst>
+    <p:ext uri="{EFAFB233-063F-42B5-8137-9DF3F51BA10A}">
+      <p15:sldGuideLst xmlns:p15="http://schemas.microsoft.com/office/powerpoint/2012/main"/>
+    </p:ext>
+  </p:extLst>
 </p:presentation>
 </file>
 
@@ -258,7 +265,7 @@
           <a:p>
             <a:fld id="{84C7E4E4-EE5F-0A45-B3B1-389B038355C8}" type="datetimeFigureOut">
               <a:rPr lang="en-VN" smtClean="0"/>
-              <a:t>20/02/2024</a:t>
+              <a:t>25/02/2024</a:t>
             </a:fld>
             <a:endParaRPr lang="en-VN"/>
           </a:p>
@@ -458,7 +465,7 @@
           <a:p>
             <a:fld id="{84C7E4E4-EE5F-0A45-B3B1-389B038355C8}" type="datetimeFigureOut">
               <a:rPr lang="en-VN" smtClean="0"/>
-              <a:t>20/02/2024</a:t>
+              <a:t>25/02/2024</a:t>
             </a:fld>
             <a:endParaRPr lang="en-VN"/>
           </a:p>
@@ -668,7 +675,7 @@
           <a:p>
             <a:fld id="{84C7E4E4-EE5F-0A45-B3B1-389B038355C8}" type="datetimeFigureOut">
               <a:rPr lang="en-VN" smtClean="0"/>
-              <a:t>20/02/2024</a:t>
+              <a:t>25/02/2024</a:t>
             </a:fld>
             <a:endParaRPr lang="en-VN"/>
           </a:p>
@@ -868,7 +875,7 @@
           <a:p>
             <a:fld id="{84C7E4E4-EE5F-0A45-B3B1-389B038355C8}" type="datetimeFigureOut">
               <a:rPr lang="en-VN" smtClean="0"/>
-              <a:t>20/02/2024</a:t>
+              <a:t>25/02/2024</a:t>
             </a:fld>
             <a:endParaRPr lang="en-VN"/>
           </a:p>
@@ -1144,7 +1151,7 @@
           <a:p>
             <a:fld id="{84C7E4E4-EE5F-0A45-B3B1-389B038355C8}" type="datetimeFigureOut">
               <a:rPr lang="en-VN" smtClean="0"/>
-              <a:t>20/02/2024</a:t>
+              <a:t>25/02/2024</a:t>
             </a:fld>
             <a:endParaRPr lang="en-VN"/>
           </a:p>
@@ -1412,7 +1419,7 @@
           <a:p>
             <a:fld id="{84C7E4E4-EE5F-0A45-B3B1-389B038355C8}" type="datetimeFigureOut">
               <a:rPr lang="en-VN" smtClean="0"/>
-              <a:t>20/02/2024</a:t>
+              <a:t>25/02/2024</a:t>
             </a:fld>
             <a:endParaRPr lang="en-VN"/>
           </a:p>
@@ -1827,7 +1834,7 @@
           <a:p>
             <a:fld id="{84C7E4E4-EE5F-0A45-B3B1-389B038355C8}" type="datetimeFigureOut">
               <a:rPr lang="en-VN" smtClean="0"/>
-              <a:t>20/02/2024</a:t>
+              <a:t>25/02/2024</a:t>
             </a:fld>
             <a:endParaRPr lang="en-VN"/>
           </a:p>
@@ -1969,7 +1976,7 @@
           <a:p>
             <a:fld id="{84C7E4E4-EE5F-0A45-B3B1-389B038355C8}" type="datetimeFigureOut">
               <a:rPr lang="en-VN" smtClean="0"/>
-              <a:t>20/02/2024</a:t>
+              <a:t>25/02/2024</a:t>
             </a:fld>
             <a:endParaRPr lang="en-VN"/>
           </a:p>
@@ -2082,7 +2089,7 @@
           <a:p>
             <a:fld id="{84C7E4E4-EE5F-0A45-B3B1-389B038355C8}" type="datetimeFigureOut">
               <a:rPr lang="en-VN" smtClean="0"/>
-              <a:t>20/02/2024</a:t>
+              <a:t>25/02/2024</a:t>
             </a:fld>
             <a:endParaRPr lang="en-VN"/>
           </a:p>
@@ -2395,7 +2402,7 @@
           <a:p>
             <a:fld id="{84C7E4E4-EE5F-0A45-B3B1-389B038355C8}" type="datetimeFigureOut">
               <a:rPr lang="en-VN" smtClean="0"/>
-              <a:t>20/02/2024</a:t>
+              <a:t>25/02/2024</a:t>
             </a:fld>
             <a:endParaRPr lang="en-VN"/>
           </a:p>
@@ -2684,7 +2691,7 @@
           <a:p>
             <a:fld id="{84C7E4E4-EE5F-0A45-B3B1-389B038355C8}" type="datetimeFigureOut">
               <a:rPr lang="en-VN" smtClean="0"/>
-              <a:t>20/02/2024</a:t>
+              <a:t>25/02/2024</a:t>
             </a:fld>
             <a:endParaRPr lang="en-VN"/>
           </a:p>
@@ -2927,7 +2934,7 @@
           <a:p>
             <a:fld id="{84C7E4E4-EE5F-0A45-B3B1-389B038355C8}" type="datetimeFigureOut">
               <a:rPr lang="en-VN" smtClean="0"/>
-              <a:t>20/02/2024</a:t>
+              <a:t>25/02/2024</a:t>
             </a:fld>
             <a:endParaRPr lang="en-VN"/>
           </a:p>
@@ -3452,56 +3459,363 @@
           </a:p>
         </p:txBody>
       </p:sp>
-      <p:sp>
-        <p:nvSpPr>
-          <p:cNvPr id="3" name="Content Placeholder 2">
-            <a:extLst>
-              <a:ext uri="{FF2B5EF4-FFF2-40B4-BE49-F238E27FC236}">
-                <a16:creationId xmlns:a16="http://schemas.microsoft.com/office/drawing/2014/main" id="{1DFF1759-4186-09FC-F309-57560834DDE7}"/>
-              </a:ext>
-            </a:extLst>
-          </p:cNvPr>
-          <p:cNvSpPr>
-            <a:spLocks noGrp="1"/>
-          </p:cNvSpPr>
+      <p:graphicFrame>
+        <p:nvGraphicFramePr>
+          <p:cNvPr id="4" name="Content Placeholder 3">
+            <a:extLst>
+              <a:ext uri="{FF2B5EF4-FFF2-40B4-BE49-F238E27FC236}">
+                <a16:creationId xmlns:a16="http://schemas.microsoft.com/office/drawing/2014/main" id="{8C6C1D0F-4230-969C-5F6A-011B414C2759}"/>
+              </a:ext>
+            </a:extLst>
+          </p:cNvPr>
+          <p:cNvGraphicFramePr>
+            <a:graphicFrameLocks noGrp="1"/>
+          </p:cNvGraphicFramePr>
           <p:nvPr>
             <p:ph idx="1"/>
-          </p:nvPr>
-        </p:nvSpPr>
-        <p:spPr/>
-        <p:txBody>
-          <a:bodyPr/>
-          <a:lstStyle/>
-          <a:p>
-            <a:pPr marL="0" indent="0">
-              <a:buNone/>
-            </a:pPr>
-            <a:r>
-              <a:rPr lang="en-VN" dirty="0"/>
-              <a:t>Array: A.shape = Batchsize * Number of task * Number of feature </a:t>
-            </a:r>
-          </a:p>
-          <a:p>
-            <a:pPr marL="0" indent="0">
-              <a:buNone/>
-            </a:pPr>
-            <a:r>
-              <a:rPr lang="en-US" dirty="0"/>
-              <a:t>C</a:t>
-            </a:r>
-            <a:r>
-              <a:rPr lang="en-VN"/>
-              <a:t>lass_mean np.mean(A, axis=0): Avg of (Number of task * Number of feature)</a:t>
-            </a:r>
-          </a:p>
-          <a:p>
-            <a:pPr marL="0" indent="0">
-              <a:buNone/>
-            </a:pPr>
-            <a:endParaRPr lang="en-VN" dirty="0"/>
-          </a:p>
-        </p:txBody>
-      </p:sp>
+            <p:extLst>
+              <p:ext uri="{D42A27DB-BD31-4B8C-83A1-F6EECF244321}">
+                <p14:modId xmlns:p14="http://schemas.microsoft.com/office/powerpoint/2010/main" val="883116714"/>
+              </p:ext>
+            </p:extLst>
+          </p:nvPr>
+        </p:nvGraphicFramePr>
+        <p:xfrm>
+          <a:off x="838200" y="1825625"/>
+          <a:ext cx="10515600" cy="1752600"/>
+        </p:xfrm>
+        <a:graphic>
+          <a:graphicData uri="http://schemas.openxmlformats.org/drawingml/2006/table">
+            <a:tbl>
+              <a:tblPr firstRow="1" bandRow="1">
+                <a:tableStyleId>{5C22544A-7EE6-4342-B048-85BDC9FD1C3A}</a:tableStyleId>
+              </a:tblPr>
+              <a:tblGrid>
+                <a:gridCol w="2103120">
+                  <a:extLst>
+                    <a:ext uri="{9D8B030D-6E8A-4147-A177-3AD203B41FA5}">
+                      <a16:colId xmlns:a16="http://schemas.microsoft.com/office/drawing/2014/main" val="3014771178"/>
+                    </a:ext>
+                  </a:extLst>
+                </a:gridCol>
+                <a:gridCol w="2103120">
+                  <a:extLst>
+                    <a:ext uri="{9D8B030D-6E8A-4147-A177-3AD203B41FA5}">
+                      <a16:colId xmlns:a16="http://schemas.microsoft.com/office/drawing/2014/main" val="4287428521"/>
+                    </a:ext>
+                  </a:extLst>
+                </a:gridCol>
+                <a:gridCol w="2103120">
+                  <a:extLst>
+                    <a:ext uri="{9D8B030D-6E8A-4147-A177-3AD203B41FA5}">
+                      <a16:colId xmlns:a16="http://schemas.microsoft.com/office/drawing/2014/main" val="2908325372"/>
+                    </a:ext>
+                  </a:extLst>
+                </a:gridCol>
+                <a:gridCol w="2103120">
+                  <a:extLst>
+                    <a:ext uri="{9D8B030D-6E8A-4147-A177-3AD203B41FA5}">
+                      <a16:colId xmlns:a16="http://schemas.microsoft.com/office/drawing/2014/main" val="4125043781"/>
+                    </a:ext>
+                  </a:extLst>
+                </a:gridCol>
+                <a:gridCol w="2103120">
+                  <a:extLst>
+                    <a:ext uri="{9D8B030D-6E8A-4147-A177-3AD203B41FA5}">
+                      <a16:colId xmlns:a16="http://schemas.microsoft.com/office/drawing/2014/main" val="1482565829"/>
+                    </a:ext>
+                  </a:extLst>
+                </a:gridCol>
+              </a:tblGrid>
+              <a:tr h="370840">
+                <a:tc>
+                  <a:txBody>
+                    <a:bodyPr/>
+                    <a:lstStyle/>
+                    <a:p>
+                      <a:endParaRPr lang="en-VN" dirty="0"/>
+                    </a:p>
+                  </a:txBody>
+                  <a:tcPr/>
+                </a:tc>
+                <a:tc>
+                  <a:txBody>
+                    <a:bodyPr/>
+                    <a:lstStyle/>
+                    <a:p>
+                      <a:r>
+                        <a:rPr lang="en-VN" dirty="0"/>
+                        <a:t>Finetune</a:t>
+                      </a:r>
+                    </a:p>
+                  </a:txBody>
+                  <a:tcPr/>
+                </a:tc>
+                <a:tc>
+                  <a:txBody>
+                    <a:bodyPr/>
+                    <a:lstStyle/>
+                    <a:p>
+                      <a:r>
+                        <a:rPr lang="en-VN" dirty="0"/>
+                        <a:t>Der</a:t>
+                      </a:r>
+                    </a:p>
+                  </a:txBody>
+                  <a:tcPr/>
+                </a:tc>
+                <a:tc>
+                  <a:txBody>
+                    <a:bodyPr/>
+                    <a:lstStyle/>
+                    <a:p>
+                      <a:r>
+                        <a:rPr lang="en-VN" dirty="0"/>
+                        <a:t>Memo</a:t>
+                      </a:r>
+                    </a:p>
+                  </a:txBody>
+                  <a:tcPr/>
+                </a:tc>
+                <a:tc>
+                  <a:txBody>
+                    <a:bodyPr/>
+                    <a:lstStyle/>
+                    <a:p>
+                      <a:r>
+                        <a:rPr lang="en-VN" dirty="0"/>
+                        <a:t>Lwf</a:t>
+                      </a:r>
+                    </a:p>
+                  </a:txBody>
+                  <a:tcPr/>
+                </a:tc>
+                <a:extLst>
+                  <a:ext uri="{0D108BD9-81ED-4DB2-BD59-A6C34878D82A}">
+                    <a16:rowId xmlns:a16="http://schemas.microsoft.com/office/drawing/2014/main" val="3056390588"/>
+                  </a:ext>
+                </a:extLst>
+              </a:tr>
+              <a:tr h="370840">
+                <a:tc>
+                  <a:txBody>
+                    <a:bodyPr/>
+                    <a:lstStyle/>
+                    <a:p>
+                      <a:r>
+                        <a:rPr lang="en-VN" dirty="0"/>
+                        <a:t>Exemplar</a:t>
+                      </a:r>
+                    </a:p>
+                  </a:txBody>
+                  <a:tcPr/>
+                </a:tc>
+                <a:tc>
+                  <a:txBody>
+                    <a:bodyPr/>
+                    <a:lstStyle/>
+                    <a:p>
+                      <a:r>
+                        <a:rPr lang="en-VN" dirty="0"/>
+                        <a:t>X</a:t>
+                      </a:r>
+                    </a:p>
+                  </a:txBody>
+                  <a:tcPr/>
+                </a:tc>
+                <a:tc>
+                  <a:txBody>
+                    <a:bodyPr/>
+                    <a:lstStyle/>
+                    <a:p>
+                      <a:r>
+                        <a:rPr lang="en-VN" dirty="0"/>
+                        <a:t>V</a:t>
+                      </a:r>
+                    </a:p>
+                  </a:txBody>
+                  <a:tcPr/>
+                </a:tc>
+                <a:tc>
+                  <a:txBody>
+                    <a:bodyPr/>
+                    <a:lstStyle/>
+                    <a:p>
+                      <a:r>
+                        <a:rPr lang="en-VN" dirty="0"/>
+                        <a:t>V</a:t>
+                      </a:r>
+                    </a:p>
+                  </a:txBody>
+                  <a:tcPr/>
+                </a:tc>
+                <a:tc>
+                  <a:txBody>
+                    <a:bodyPr/>
+                    <a:lstStyle/>
+                    <a:p>
+                      <a:r>
+                        <a:rPr lang="en-VN" dirty="0"/>
+                        <a:t>X</a:t>
+                      </a:r>
+                    </a:p>
+                  </a:txBody>
+                  <a:tcPr/>
+                </a:tc>
+                <a:extLst>
+                  <a:ext uri="{0D108BD9-81ED-4DB2-BD59-A6C34878D82A}">
+                    <a16:rowId xmlns:a16="http://schemas.microsoft.com/office/drawing/2014/main" val="4283525130"/>
+                  </a:ext>
+                </a:extLst>
+              </a:tr>
+              <a:tr h="370840">
+                <a:tc>
+                  <a:txBody>
+                    <a:bodyPr/>
+                    <a:lstStyle/>
+                    <a:p>
+                      <a:r>
+                        <a:rPr lang="en-VN" dirty="0"/>
+                        <a:t>Expand Net</a:t>
+                      </a:r>
+                    </a:p>
+                  </a:txBody>
+                  <a:tcPr/>
+                </a:tc>
+                <a:tc>
+                  <a:txBody>
+                    <a:bodyPr/>
+                    <a:lstStyle/>
+                    <a:p>
+                      <a:r>
+                        <a:rPr lang="en-VN" dirty="0"/>
+                        <a:t>X</a:t>
+                      </a:r>
+                    </a:p>
+                  </a:txBody>
+                  <a:tcPr/>
+                </a:tc>
+                <a:tc>
+                  <a:txBody>
+                    <a:bodyPr/>
+                    <a:lstStyle/>
+                    <a:p>
+                      <a:r>
+                        <a:rPr lang="en-VN" dirty="0"/>
+                        <a:t>V</a:t>
+                      </a:r>
+                    </a:p>
+                  </a:txBody>
+                  <a:tcPr/>
+                </a:tc>
+                <a:tc>
+                  <a:txBody>
+                    <a:bodyPr/>
+                    <a:lstStyle/>
+                    <a:p>
+                      <a:r>
+                        <a:rPr lang="en-VN" dirty="0"/>
+                        <a:t>V</a:t>
+                      </a:r>
+                    </a:p>
+                  </a:txBody>
+                  <a:tcPr/>
+                </a:tc>
+                <a:tc>
+                  <a:txBody>
+                    <a:bodyPr/>
+                    <a:lstStyle/>
+                    <a:p>
+                      <a:r>
+                        <a:rPr lang="en-VN" dirty="0"/>
+                        <a:t>X</a:t>
+                      </a:r>
+                    </a:p>
+                  </a:txBody>
+                  <a:tcPr/>
+                </a:tc>
+                <a:extLst>
+                  <a:ext uri="{0D108BD9-81ED-4DB2-BD59-A6C34878D82A}">
+                    <a16:rowId xmlns:a16="http://schemas.microsoft.com/office/drawing/2014/main" val="2819718010"/>
+                  </a:ext>
+                </a:extLst>
+              </a:tr>
+              <a:tr h="370840">
+                <a:tc>
+                  <a:txBody>
+                    <a:bodyPr/>
+                    <a:lstStyle/>
+                    <a:p>
+                      <a:r>
+                        <a:rPr lang="en-VN" dirty="0"/>
+                        <a:t>Change Loss Function</a:t>
+                      </a:r>
+                    </a:p>
+                  </a:txBody>
+                  <a:tcPr/>
+                </a:tc>
+                <a:tc>
+                  <a:txBody>
+                    <a:bodyPr/>
+                    <a:lstStyle/>
+                    <a:p>
+                      <a:r>
+                        <a:rPr lang="en-VN" dirty="0"/>
+                        <a:t>X</a:t>
+                      </a:r>
+                    </a:p>
+                  </a:txBody>
+                  <a:tcPr/>
+                </a:tc>
+                <a:tc>
+                  <a:txBody>
+                    <a:bodyPr/>
+                    <a:lstStyle/>
+                    <a:p>
+                      <a:r>
+                        <a:rPr lang="en-VN" dirty="0"/>
+                        <a:t>X</a:t>
+                      </a:r>
+                    </a:p>
+                  </a:txBody>
+                  <a:tcPr/>
+                </a:tc>
+                <a:tc>
+                  <a:txBody>
+                    <a:bodyPr/>
+                    <a:lstStyle/>
+                    <a:p>
+                      <a:r>
+                        <a:rPr lang="en-VN" dirty="0"/>
+                        <a:t>V</a:t>
+                      </a:r>
+                    </a:p>
+                  </a:txBody>
+                  <a:tcPr/>
+                </a:tc>
+                <a:tc>
+                  <a:txBody>
+                    <a:bodyPr/>
+                    <a:lstStyle/>
+                    <a:p>
+                      <a:r>
+                        <a:rPr lang="en-VN" dirty="0"/>
+                        <a:t>V</a:t>
+                      </a:r>
+                    </a:p>
+                  </a:txBody>
+                  <a:tcPr/>
+                </a:tc>
+                <a:extLst>
+                  <a:ext uri="{0D108BD9-81ED-4DB2-BD59-A6C34878D82A}">
+                    <a16:rowId xmlns:a16="http://schemas.microsoft.com/office/drawing/2014/main" val="4178435868"/>
+                  </a:ext>
+                </a:extLst>
+              </a:tr>
+            </a:tbl>
+          </a:graphicData>
+        </a:graphic>
+      </p:graphicFrame>
     </p:spTree>
     <p:extLst>
       <p:ext uri="{BB962C8B-B14F-4D97-AF65-F5344CB8AC3E}">
@@ -3548,56 +3862,737 @@
             <p:ph type="title"/>
           </p:nvPr>
         </p:nvSpPr>
-        <p:spPr/>
-        <p:txBody>
-          <a:bodyPr/>
+        <p:spPr>
+          <a:xfrm>
+            <a:off x="245076" y="340412"/>
+            <a:ext cx="2708189" cy="438063"/>
+          </a:xfrm>
+        </p:spPr>
+        <p:txBody>
+          <a:bodyPr>
+            <a:normAutofit fontScale="90000"/>
+          </a:bodyPr>
           <a:lstStyle/>
           <a:p>
             <a:r>
               <a:rPr lang="en-VN" dirty="0"/>
-              <a:t>Iter 1</a:t>
-            </a:r>
-          </a:p>
-        </p:txBody>
-      </p:sp>
-      <p:sp>
-        <p:nvSpPr>
-          <p:cNvPr id="3" name="Content Placeholder 2">
-            <a:extLst>
-              <a:ext uri="{FF2B5EF4-FFF2-40B4-BE49-F238E27FC236}">
-                <a16:creationId xmlns:a16="http://schemas.microsoft.com/office/drawing/2014/main" id="{AE7DAE13-5C88-872F-5CDA-0C9BD6C17914}"/>
-              </a:ext>
-            </a:extLst>
-          </p:cNvPr>
-          <p:cNvSpPr>
-            <a:spLocks noGrp="1"/>
-          </p:cNvSpPr>
-          <p:nvPr>
-            <p:ph idx="1"/>
-          </p:nvPr>
-        </p:nvSpPr>
-        <p:spPr/>
-        <p:txBody>
-          <a:bodyPr/>
+              <a:t>Finetune</a:t>
+            </a:r>
+          </a:p>
+        </p:txBody>
+      </p:sp>
+      <p:sp>
+        <p:nvSpPr>
+          <p:cNvPr id="9" name="Rectangle 8">
+            <a:extLst>
+              <a:ext uri="{FF2B5EF4-FFF2-40B4-BE49-F238E27FC236}">
+                <a16:creationId xmlns:a16="http://schemas.microsoft.com/office/drawing/2014/main" id="{4A581C2E-B094-5DC9-28E6-C911F1D58746}"/>
+              </a:ext>
+            </a:extLst>
+          </p:cNvPr>
+          <p:cNvSpPr/>
+          <p:nvPr/>
+        </p:nvSpPr>
+        <p:spPr>
+          <a:xfrm>
+            <a:off x="5282512" y="1836521"/>
+            <a:ext cx="284204" cy="630195"/>
+          </a:xfrm>
+          <a:prstGeom prst="rect">
+            <a:avLst/>
+          </a:prstGeom>
+        </p:spPr>
+        <p:style>
+          <a:lnRef idx="2">
+            <a:schemeClr val="accent1">
+              <a:shade val="15000"/>
+            </a:schemeClr>
+          </a:lnRef>
+          <a:fillRef idx="1">
+            <a:schemeClr val="accent1"/>
+          </a:fillRef>
+          <a:effectRef idx="0">
+            <a:schemeClr val="accent1"/>
+          </a:effectRef>
+          <a:fontRef idx="minor">
+            <a:schemeClr val="lt1"/>
+          </a:fontRef>
+        </p:style>
+        <p:txBody>
+          <a:bodyPr rtlCol="0" anchor="ctr"/>
+          <a:lstStyle/>
+          <a:p>
+            <a:pPr algn="ctr"/>
+            <a:endParaRPr lang="en-VN" dirty="0"/>
+          </a:p>
+        </p:txBody>
+      </p:sp>
+      <p:sp>
+        <p:nvSpPr>
+          <p:cNvPr id="10" name="Rectangle 9">
+            <a:extLst>
+              <a:ext uri="{FF2B5EF4-FFF2-40B4-BE49-F238E27FC236}">
+                <a16:creationId xmlns:a16="http://schemas.microsoft.com/office/drawing/2014/main" id="{28C180B3-14BF-ECDC-C1BC-55B2B49E2E3F}"/>
+              </a:ext>
+            </a:extLst>
+          </p:cNvPr>
+          <p:cNvSpPr/>
+          <p:nvPr/>
+        </p:nvSpPr>
+        <p:spPr>
+          <a:xfrm>
+            <a:off x="5282512" y="3690808"/>
+            <a:ext cx="284204" cy="1310459"/>
+          </a:xfrm>
+          <a:prstGeom prst="rect">
+            <a:avLst/>
+          </a:prstGeom>
+        </p:spPr>
+        <p:style>
+          <a:lnRef idx="2">
+            <a:schemeClr val="accent1">
+              <a:shade val="15000"/>
+            </a:schemeClr>
+          </a:lnRef>
+          <a:fillRef idx="1">
+            <a:schemeClr val="accent1"/>
+          </a:fillRef>
+          <a:effectRef idx="0">
+            <a:schemeClr val="accent1"/>
+          </a:effectRef>
+          <a:fontRef idx="minor">
+            <a:schemeClr val="lt1"/>
+          </a:fontRef>
+        </p:style>
+        <p:txBody>
+          <a:bodyPr rtlCol="0" anchor="ctr"/>
+          <a:lstStyle/>
+          <a:p>
+            <a:pPr algn="ctr"/>
+            <a:endParaRPr lang="en-VN"/>
+          </a:p>
+        </p:txBody>
+      </p:sp>
+      <p:sp>
+        <p:nvSpPr>
+          <p:cNvPr id="11" name="Rectangle 10">
+            <a:extLst>
+              <a:ext uri="{FF2B5EF4-FFF2-40B4-BE49-F238E27FC236}">
+                <a16:creationId xmlns:a16="http://schemas.microsoft.com/office/drawing/2014/main" id="{F9205E31-8F35-439E-B453-72C799220FFE}"/>
+              </a:ext>
+            </a:extLst>
+          </p:cNvPr>
+          <p:cNvSpPr/>
+          <p:nvPr/>
+        </p:nvSpPr>
+        <p:spPr>
+          <a:xfrm>
+            <a:off x="1569308" y="3524764"/>
+            <a:ext cx="3089189" cy="1642548"/>
+          </a:xfrm>
+          <a:prstGeom prst="rect">
+            <a:avLst/>
+          </a:prstGeom>
+        </p:spPr>
+        <p:style>
+          <a:lnRef idx="2">
+            <a:schemeClr val="accent1">
+              <a:shade val="15000"/>
+            </a:schemeClr>
+          </a:lnRef>
+          <a:fillRef idx="1">
+            <a:schemeClr val="accent1"/>
+          </a:fillRef>
+          <a:effectRef idx="0">
+            <a:schemeClr val="accent1"/>
+          </a:effectRef>
+          <a:fontRef idx="minor">
+            <a:schemeClr val="lt1"/>
+          </a:fontRef>
+        </p:style>
+        <p:txBody>
+          <a:bodyPr rtlCol="0" anchor="ctr"/>
+          <a:lstStyle/>
+          <a:p>
+            <a:pPr algn="ctr"/>
+            <a:endParaRPr lang="en-VN" dirty="0"/>
+          </a:p>
+        </p:txBody>
+      </p:sp>
+      <p:sp>
+        <p:nvSpPr>
+          <p:cNvPr id="15" name="Rectangle 14">
+            <a:extLst>
+              <a:ext uri="{FF2B5EF4-FFF2-40B4-BE49-F238E27FC236}">
+                <a16:creationId xmlns:a16="http://schemas.microsoft.com/office/drawing/2014/main" id="{2D8EC993-B8B6-44BB-7AFA-988D8202E9A2}"/>
+              </a:ext>
+            </a:extLst>
+          </p:cNvPr>
+          <p:cNvSpPr/>
+          <p:nvPr/>
+        </p:nvSpPr>
+        <p:spPr>
+          <a:xfrm>
+            <a:off x="1569307" y="1330345"/>
+            <a:ext cx="3089189" cy="1642548"/>
+          </a:xfrm>
+          <a:prstGeom prst="rect">
+            <a:avLst/>
+          </a:prstGeom>
+        </p:spPr>
+        <p:style>
+          <a:lnRef idx="2">
+            <a:schemeClr val="accent1">
+              <a:shade val="15000"/>
+            </a:schemeClr>
+          </a:lnRef>
+          <a:fillRef idx="1">
+            <a:schemeClr val="accent1"/>
+          </a:fillRef>
+          <a:effectRef idx="0">
+            <a:schemeClr val="accent1"/>
+          </a:effectRef>
+          <a:fontRef idx="minor">
+            <a:schemeClr val="lt1"/>
+          </a:fontRef>
+        </p:style>
+        <p:txBody>
+          <a:bodyPr rtlCol="0" anchor="ctr"/>
+          <a:lstStyle/>
+          <a:p>
+            <a:pPr algn="ctr"/>
+            <a:endParaRPr lang="en-VN" dirty="0"/>
+          </a:p>
+        </p:txBody>
+      </p:sp>
+      <p:sp>
+        <p:nvSpPr>
+          <p:cNvPr id="16" name="TextBox 15">
+            <a:extLst>
+              <a:ext uri="{FF2B5EF4-FFF2-40B4-BE49-F238E27FC236}">
+                <a16:creationId xmlns:a16="http://schemas.microsoft.com/office/drawing/2014/main" id="{B2E31DEA-7E47-420A-4FEA-F70130C5FC58}"/>
+              </a:ext>
+            </a:extLst>
+          </p:cNvPr>
+          <p:cNvSpPr txBox="1"/>
+          <p:nvPr/>
+        </p:nvSpPr>
+        <p:spPr>
+          <a:xfrm>
+            <a:off x="1734065" y="5527655"/>
+            <a:ext cx="8024954" cy="1169551"/>
+          </a:xfrm>
+          <a:prstGeom prst="rect">
+            <a:avLst/>
+          </a:prstGeom>
+          <a:noFill/>
+        </p:spPr>
+        <p:txBody>
+          <a:bodyPr wrap="none" rtlCol="0">
+            <a:spAutoFit/>
+          </a:bodyPr>
+          <a:lstStyle/>
+          <a:p>
+            <a:r>
+              <a:rPr lang="en-VN" sz="1400" dirty="0"/>
+              <a:t>Loss function:</a:t>
+            </a:r>
+          </a:p>
+          <a:p>
+            <a:r>
+              <a:rPr lang="en-US" sz="1400" b="0" dirty="0">
+                <a:solidFill>
+                  <a:srgbClr val="9CDCFE"/>
+                </a:solidFill>
+                <a:effectLst/>
+                <a:latin typeface="Menlo" panose="020B0609030804020204" pitchFamily="49" charset="0"/>
+              </a:rPr>
+              <a:t>logits</a:t>
+            </a:r>
+            <a:r>
+              <a:rPr lang="en-US" sz="1400" b="0" dirty="0">
+                <a:solidFill>
+                  <a:srgbClr val="CCCCCC"/>
+                </a:solidFill>
+                <a:effectLst/>
+                <a:latin typeface="Menlo" panose="020B0609030804020204" pitchFamily="49" charset="0"/>
+              </a:rPr>
+              <a:t> </a:t>
+            </a:r>
+            <a:r>
+              <a:rPr lang="en-US" sz="1400" b="0" dirty="0">
+                <a:solidFill>
+                  <a:srgbClr val="D4D4D4"/>
+                </a:solidFill>
+                <a:effectLst/>
+                <a:latin typeface="Menlo" panose="020B0609030804020204" pitchFamily="49" charset="0"/>
+              </a:rPr>
+              <a:t>=</a:t>
+            </a:r>
+            <a:r>
+              <a:rPr lang="en-US" sz="1400" b="0" dirty="0">
+                <a:solidFill>
+                  <a:srgbClr val="CCCCCC"/>
+                </a:solidFill>
+                <a:effectLst/>
+                <a:latin typeface="Menlo" panose="020B0609030804020204" pitchFamily="49" charset="0"/>
+              </a:rPr>
+              <a:t> </a:t>
+            </a:r>
+            <a:r>
+              <a:rPr lang="en-US" sz="1400" b="0" dirty="0" err="1">
+                <a:solidFill>
+                  <a:srgbClr val="9CDCFE"/>
+                </a:solidFill>
+                <a:effectLst/>
+                <a:latin typeface="Menlo" panose="020B0609030804020204" pitchFamily="49" charset="0"/>
+              </a:rPr>
+              <a:t>self</a:t>
+            </a:r>
+            <a:r>
+              <a:rPr lang="en-US" sz="1400" b="0" dirty="0" err="1">
+                <a:solidFill>
+                  <a:srgbClr val="CCCCCC"/>
+                </a:solidFill>
+                <a:effectLst/>
+                <a:latin typeface="Menlo" panose="020B0609030804020204" pitchFamily="49" charset="0"/>
+              </a:rPr>
+              <a:t>.</a:t>
+            </a:r>
+            <a:r>
+              <a:rPr lang="en-US" sz="1400" b="0" dirty="0" err="1">
+                <a:solidFill>
+                  <a:srgbClr val="9CDCFE"/>
+                </a:solidFill>
+                <a:effectLst/>
+                <a:latin typeface="Menlo" panose="020B0609030804020204" pitchFamily="49" charset="0"/>
+              </a:rPr>
+              <a:t>_network</a:t>
+            </a:r>
+            <a:r>
+              <a:rPr lang="en-US" sz="1400" b="0" dirty="0">
+                <a:solidFill>
+                  <a:srgbClr val="CCCCCC"/>
+                </a:solidFill>
+                <a:effectLst/>
+                <a:latin typeface="Menlo" panose="020B0609030804020204" pitchFamily="49" charset="0"/>
+              </a:rPr>
+              <a:t>(</a:t>
+            </a:r>
+            <a:r>
+              <a:rPr lang="en-US" sz="1400" b="0" dirty="0">
+                <a:solidFill>
+                  <a:srgbClr val="9CDCFE"/>
+                </a:solidFill>
+                <a:effectLst/>
+                <a:latin typeface="Menlo" panose="020B0609030804020204" pitchFamily="49" charset="0"/>
+              </a:rPr>
+              <a:t>inputs</a:t>
+            </a:r>
+            <a:r>
+              <a:rPr lang="en-US" sz="1400" b="0" dirty="0">
+                <a:solidFill>
+                  <a:srgbClr val="CCCCCC"/>
+                </a:solidFill>
+                <a:effectLst/>
+                <a:latin typeface="Menlo" panose="020B0609030804020204" pitchFamily="49" charset="0"/>
+              </a:rPr>
+              <a:t>)[</a:t>
+            </a:r>
+            <a:r>
+              <a:rPr lang="en-US" sz="1400" b="0" dirty="0">
+                <a:solidFill>
+                  <a:srgbClr val="CE9178"/>
+                </a:solidFill>
+                <a:effectLst/>
+                <a:latin typeface="Menlo" panose="020B0609030804020204" pitchFamily="49" charset="0"/>
+              </a:rPr>
+              <a:t>"logits"</a:t>
+            </a:r>
+            <a:r>
+              <a:rPr lang="en-US" sz="1400" b="0" dirty="0">
+                <a:solidFill>
+                  <a:srgbClr val="CCCCCC"/>
+                </a:solidFill>
+                <a:effectLst/>
+                <a:latin typeface="Menlo" panose="020B0609030804020204" pitchFamily="49" charset="0"/>
+              </a:rPr>
+              <a:t>]</a:t>
+            </a:r>
+          </a:p>
+          <a:p>
+            <a:r>
+              <a:rPr lang="en-US" sz="1400" b="0" dirty="0" err="1">
+                <a:solidFill>
+                  <a:srgbClr val="9CDCFE"/>
+                </a:solidFill>
+                <a:effectLst/>
+                <a:latin typeface="Menlo" panose="020B0609030804020204" pitchFamily="49" charset="0"/>
+              </a:rPr>
+              <a:t>fake_targets</a:t>
+            </a:r>
+            <a:r>
+              <a:rPr lang="en-US" sz="1400" b="0" dirty="0">
+                <a:solidFill>
+                  <a:srgbClr val="CCCCCC"/>
+                </a:solidFill>
+                <a:effectLst/>
+                <a:latin typeface="Menlo" panose="020B0609030804020204" pitchFamily="49" charset="0"/>
+              </a:rPr>
+              <a:t> </a:t>
+            </a:r>
+            <a:r>
+              <a:rPr lang="en-US" sz="1400" b="0" dirty="0">
+                <a:solidFill>
+                  <a:srgbClr val="D4D4D4"/>
+                </a:solidFill>
+                <a:effectLst/>
+                <a:latin typeface="Menlo" panose="020B0609030804020204" pitchFamily="49" charset="0"/>
+              </a:rPr>
+              <a:t>=</a:t>
+            </a:r>
+            <a:r>
+              <a:rPr lang="en-US" sz="1400" b="0" dirty="0">
+                <a:solidFill>
+                  <a:srgbClr val="CCCCCC"/>
+                </a:solidFill>
+                <a:effectLst/>
+                <a:latin typeface="Menlo" panose="020B0609030804020204" pitchFamily="49" charset="0"/>
+              </a:rPr>
+              <a:t> </a:t>
+            </a:r>
+            <a:r>
+              <a:rPr lang="en-US" sz="1400" b="0" dirty="0">
+                <a:solidFill>
+                  <a:srgbClr val="9CDCFE"/>
+                </a:solidFill>
+                <a:effectLst/>
+                <a:latin typeface="Menlo" panose="020B0609030804020204" pitchFamily="49" charset="0"/>
+              </a:rPr>
+              <a:t>targets</a:t>
+            </a:r>
+            <a:r>
+              <a:rPr lang="en-US" sz="1400" b="0" dirty="0">
+                <a:solidFill>
+                  <a:srgbClr val="CCCCCC"/>
+                </a:solidFill>
+                <a:effectLst/>
+                <a:latin typeface="Menlo" panose="020B0609030804020204" pitchFamily="49" charset="0"/>
+              </a:rPr>
+              <a:t> </a:t>
+            </a:r>
+            <a:r>
+              <a:rPr lang="en-US" sz="1400" b="0" dirty="0">
+                <a:solidFill>
+                  <a:srgbClr val="D4D4D4"/>
+                </a:solidFill>
+                <a:effectLst/>
+                <a:latin typeface="Menlo" panose="020B0609030804020204" pitchFamily="49" charset="0"/>
+              </a:rPr>
+              <a:t>-</a:t>
+            </a:r>
+            <a:r>
+              <a:rPr lang="en-US" sz="1400" b="0" dirty="0">
+                <a:solidFill>
+                  <a:srgbClr val="CCCCCC"/>
+                </a:solidFill>
+                <a:effectLst/>
+                <a:latin typeface="Menlo" panose="020B0609030804020204" pitchFamily="49" charset="0"/>
+              </a:rPr>
+              <a:t> </a:t>
+            </a:r>
+            <a:r>
+              <a:rPr lang="en-US" sz="1400" b="0" dirty="0">
+                <a:solidFill>
+                  <a:srgbClr val="9CDCFE"/>
+                </a:solidFill>
+                <a:effectLst/>
+                <a:latin typeface="Menlo" panose="020B0609030804020204" pitchFamily="49" charset="0"/>
+              </a:rPr>
+              <a:t>self</a:t>
+            </a:r>
+            <a:r>
+              <a:rPr lang="en-US" sz="1400" b="0" dirty="0">
+                <a:solidFill>
+                  <a:srgbClr val="CCCCCC"/>
+                </a:solidFill>
+                <a:effectLst/>
+                <a:latin typeface="Menlo" panose="020B0609030804020204" pitchFamily="49" charset="0"/>
+              </a:rPr>
+              <a:t>.</a:t>
+            </a:r>
+            <a:r>
+              <a:rPr lang="en-US" sz="1400" b="0" dirty="0">
+                <a:solidFill>
+                  <a:srgbClr val="9CDCFE"/>
+                </a:solidFill>
+                <a:effectLst/>
+                <a:latin typeface="Menlo" panose="020B0609030804020204" pitchFamily="49" charset="0"/>
+              </a:rPr>
+              <a:t>_</a:t>
+            </a:r>
+            <a:r>
+              <a:rPr lang="en-US" sz="1400" b="0" dirty="0" err="1">
+                <a:solidFill>
+                  <a:srgbClr val="9CDCFE"/>
+                </a:solidFill>
+                <a:effectLst/>
+                <a:latin typeface="Menlo" panose="020B0609030804020204" pitchFamily="49" charset="0"/>
+              </a:rPr>
+              <a:t>known_classes</a:t>
+            </a:r>
+            <a:endParaRPr lang="en-US" sz="1400" b="0" dirty="0">
+              <a:solidFill>
+                <a:srgbClr val="CCCCCC"/>
+              </a:solidFill>
+              <a:effectLst/>
+              <a:latin typeface="Menlo" panose="020B0609030804020204" pitchFamily="49" charset="0"/>
+            </a:endParaRPr>
+          </a:p>
+          <a:p>
+            <a:r>
+              <a:rPr lang="en-US" sz="1400" b="0" dirty="0" err="1">
+                <a:solidFill>
+                  <a:srgbClr val="9CDCFE"/>
+                </a:solidFill>
+                <a:effectLst/>
+                <a:latin typeface="Menlo" panose="020B0609030804020204" pitchFamily="49" charset="0"/>
+              </a:rPr>
+              <a:t>loss_clf</a:t>
+            </a:r>
+            <a:r>
+              <a:rPr lang="en-US" sz="1400" b="0" dirty="0">
+                <a:solidFill>
+                  <a:srgbClr val="CCCCCC"/>
+                </a:solidFill>
+                <a:effectLst/>
+                <a:latin typeface="Menlo" panose="020B0609030804020204" pitchFamily="49" charset="0"/>
+              </a:rPr>
+              <a:t> </a:t>
+            </a:r>
+            <a:r>
+              <a:rPr lang="en-US" sz="1400" b="0" dirty="0">
+                <a:solidFill>
+                  <a:srgbClr val="D4D4D4"/>
+                </a:solidFill>
+                <a:effectLst/>
+                <a:latin typeface="Menlo" panose="020B0609030804020204" pitchFamily="49" charset="0"/>
+              </a:rPr>
+              <a:t>=</a:t>
+            </a:r>
+            <a:r>
+              <a:rPr lang="en-US" sz="1400" b="0" dirty="0">
+                <a:solidFill>
+                  <a:srgbClr val="CCCCCC"/>
+                </a:solidFill>
+                <a:effectLst/>
+                <a:latin typeface="Menlo" panose="020B0609030804020204" pitchFamily="49" charset="0"/>
+              </a:rPr>
+              <a:t> </a:t>
+            </a:r>
+            <a:r>
+              <a:rPr lang="en-US" sz="1400" b="0" dirty="0" err="1">
+                <a:solidFill>
+                  <a:srgbClr val="4EC9B0"/>
+                </a:solidFill>
+                <a:effectLst/>
+                <a:latin typeface="Menlo" panose="020B0609030804020204" pitchFamily="49" charset="0"/>
+              </a:rPr>
+              <a:t>F</a:t>
+            </a:r>
+            <a:r>
+              <a:rPr lang="en-US" sz="1400" b="0" dirty="0" err="1">
+                <a:solidFill>
+                  <a:srgbClr val="CCCCCC"/>
+                </a:solidFill>
+                <a:effectLst/>
+                <a:latin typeface="Menlo" panose="020B0609030804020204" pitchFamily="49" charset="0"/>
+              </a:rPr>
+              <a:t>.</a:t>
+            </a:r>
+            <a:r>
+              <a:rPr lang="en-US" sz="1400" b="0" dirty="0" err="1">
+                <a:solidFill>
+                  <a:srgbClr val="DCDCAA"/>
+                </a:solidFill>
+                <a:effectLst/>
+                <a:latin typeface="Menlo" panose="020B0609030804020204" pitchFamily="49" charset="0"/>
+              </a:rPr>
+              <a:t>cross_entropy</a:t>
+            </a:r>
+            <a:r>
+              <a:rPr lang="en-US" sz="1400" b="0" dirty="0">
+                <a:solidFill>
+                  <a:srgbClr val="CCCCCC"/>
+                </a:solidFill>
+                <a:effectLst/>
+                <a:latin typeface="Menlo" panose="020B0609030804020204" pitchFamily="49" charset="0"/>
+              </a:rPr>
+              <a:t>(</a:t>
+            </a:r>
+            <a:r>
+              <a:rPr lang="en-US" sz="1400" b="0" dirty="0">
+                <a:solidFill>
+                  <a:srgbClr val="9CDCFE"/>
+                </a:solidFill>
+                <a:effectLst/>
+                <a:latin typeface="Menlo" panose="020B0609030804020204" pitchFamily="49" charset="0"/>
+              </a:rPr>
+              <a:t>logits</a:t>
+            </a:r>
+            <a:r>
+              <a:rPr lang="en-US" sz="1400" b="0" dirty="0">
+                <a:solidFill>
+                  <a:srgbClr val="CCCCCC"/>
+                </a:solidFill>
+                <a:effectLst/>
+                <a:latin typeface="Menlo" panose="020B0609030804020204" pitchFamily="49" charset="0"/>
+              </a:rPr>
+              <a:t>[:, </a:t>
+            </a:r>
+            <a:r>
+              <a:rPr lang="en-US" sz="1400" b="0" dirty="0">
+                <a:solidFill>
+                  <a:srgbClr val="9CDCFE"/>
+                </a:solidFill>
+                <a:effectLst/>
+                <a:latin typeface="Menlo" panose="020B0609030804020204" pitchFamily="49" charset="0"/>
+              </a:rPr>
+              <a:t>self</a:t>
+            </a:r>
+            <a:r>
+              <a:rPr lang="en-US" sz="1400" b="0" dirty="0">
+                <a:solidFill>
+                  <a:srgbClr val="CCCCCC"/>
+                </a:solidFill>
+                <a:effectLst/>
+                <a:latin typeface="Menlo" panose="020B0609030804020204" pitchFamily="49" charset="0"/>
+              </a:rPr>
+              <a:t>.</a:t>
+            </a:r>
+            <a:r>
+              <a:rPr lang="en-US" sz="1400" b="0" dirty="0">
+                <a:solidFill>
+                  <a:srgbClr val="9CDCFE"/>
+                </a:solidFill>
+                <a:effectLst/>
+                <a:latin typeface="Menlo" panose="020B0609030804020204" pitchFamily="49" charset="0"/>
+              </a:rPr>
+              <a:t>_</a:t>
+            </a:r>
+            <a:r>
+              <a:rPr lang="en-US" sz="1400" b="0" dirty="0" err="1">
+                <a:solidFill>
+                  <a:srgbClr val="9CDCFE"/>
+                </a:solidFill>
+                <a:effectLst/>
+                <a:latin typeface="Menlo" panose="020B0609030804020204" pitchFamily="49" charset="0"/>
+              </a:rPr>
+              <a:t>known_classes</a:t>
+            </a:r>
+            <a:r>
+              <a:rPr lang="en-US" sz="1400" b="0" dirty="0">
+                <a:solidFill>
+                  <a:srgbClr val="CCCCCC"/>
+                </a:solidFill>
+                <a:effectLst/>
+                <a:latin typeface="Menlo" panose="020B0609030804020204" pitchFamily="49" charset="0"/>
+              </a:rPr>
+              <a:t>:], </a:t>
+            </a:r>
+            <a:r>
+              <a:rPr lang="en-US" sz="1400" b="0" dirty="0" err="1">
+                <a:solidFill>
+                  <a:srgbClr val="9CDCFE"/>
+                </a:solidFill>
+                <a:effectLst/>
+                <a:latin typeface="Menlo" panose="020B0609030804020204" pitchFamily="49" charset="0"/>
+              </a:rPr>
+              <a:t>fake_targets</a:t>
+            </a:r>
+            <a:r>
+              <a:rPr lang="en-US" sz="1400" b="0" dirty="0">
+                <a:solidFill>
+                  <a:srgbClr val="CCCCCC"/>
+                </a:solidFill>
+                <a:effectLst/>
+                <a:latin typeface="Menlo" panose="020B0609030804020204" pitchFamily="49" charset="0"/>
+              </a:rPr>
+              <a:t>)</a:t>
+            </a:r>
+          </a:p>
+          <a:p>
+            <a:endParaRPr lang="en-VN" sz="1400" dirty="0"/>
+          </a:p>
+        </p:txBody>
+      </p:sp>
+      <p:sp>
+        <p:nvSpPr>
+          <p:cNvPr id="17" name="TextBox 16">
+            <a:extLst>
+              <a:ext uri="{FF2B5EF4-FFF2-40B4-BE49-F238E27FC236}">
+                <a16:creationId xmlns:a16="http://schemas.microsoft.com/office/drawing/2014/main" id="{52BC9481-4937-A009-FCAB-10BC6C08B9AA}"/>
+              </a:ext>
+            </a:extLst>
+          </p:cNvPr>
+          <p:cNvSpPr txBox="1"/>
+          <p:nvPr/>
+        </p:nvSpPr>
+        <p:spPr>
+          <a:xfrm>
+            <a:off x="486032" y="4184650"/>
+            <a:ext cx="753348" cy="369332"/>
+          </a:xfrm>
+          <a:prstGeom prst="rect">
+            <a:avLst/>
+          </a:prstGeom>
+          <a:noFill/>
+        </p:spPr>
+        <p:txBody>
+          <a:bodyPr wrap="none" rtlCol="0">
+            <a:spAutoFit/>
+          </a:bodyPr>
           <a:lstStyle/>
           <a:p>
             <a:r>
               <a:rPr lang="en-VN" dirty="0"/>
-              <a:t>S = 0</a:t>
-            </a:r>
-          </a:p>
-          <a:p>
-            <a:r>
-              <a:rPr lang="en-US" dirty="0"/>
-              <a:t>M</a:t>
-            </a:r>
+              <a:t>Task 1</a:t>
+            </a:r>
+          </a:p>
+        </p:txBody>
+      </p:sp>
+      <p:sp>
+        <p:nvSpPr>
+          <p:cNvPr id="18" name="TextBox 17">
+            <a:extLst>
+              <a:ext uri="{FF2B5EF4-FFF2-40B4-BE49-F238E27FC236}">
+                <a16:creationId xmlns:a16="http://schemas.microsoft.com/office/drawing/2014/main" id="{3A653631-C527-4996-91B7-6ECE7AB3EC04}"/>
+              </a:ext>
+            </a:extLst>
+          </p:cNvPr>
+          <p:cNvSpPr txBox="1"/>
+          <p:nvPr/>
+        </p:nvSpPr>
+        <p:spPr>
+          <a:xfrm>
+            <a:off x="486032" y="2119353"/>
+            <a:ext cx="753348" cy="369332"/>
+          </a:xfrm>
+          <a:prstGeom prst="rect">
+            <a:avLst/>
+          </a:prstGeom>
+          <a:noFill/>
+        </p:spPr>
+        <p:txBody>
+          <a:bodyPr wrap="none" rtlCol="0">
+            <a:spAutoFit/>
+          </a:bodyPr>
+          <a:lstStyle/>
+          <a:p>
             <a:r>
               <a:rPr lang="en-VN" dirty="0"/>
-              <a:t>u_P = 0</a:t>
-            </a:r>
-          </a:p>
-          <a:p>
-            <a:endParaRPr lang="en-VN" dirty="0"/>
+              <a:t>Task 0</a:t>
+            </a:r>
           </a:p>
         </p:txBody>
       </p:sp>
@@ -3605,6 +4600,831 @@
     <p:extLst>
       <p:ext uri="{BB962C8B-B14F-4D97-AF65-F5344CB8AC3E}">
         <p14:creationId xmlns:p14="http://schemas.microsoft.com/office/powerpoint/2010/main" val="2326822806"/>
+      </p:ext>
+    </p:extLst>
+  </p:cSld>
+  <p:clrMapOvr>
+    <a:masterClrMapping/>
+  </p:clrMapOvr>
+</p:sld>
+</file>
+
+<file path=ppt/slides/slide4.xml><?xml version="1.0" encoding="utf-8"?>
+<p:sld xmlns:a="http://schemas.openxmlformats.org/drawingml/2006/main" xmlns:r="http://schemas.openxmlformats.org/officeDocument/2006/relationships" xmlns:p="http://schemas.openxmlformats.org/presentationml/2006/main">
+  <p:cSld>
+    <p:spTree>
+      <p:nvGrpSpPr>
+        <p:cNvPr id="1" name=""/>
+        <p:cNvGrpSpPr/>
+        <p:nvPr/>
+      </p:nvGrpSpPr>
+      <p:grpSpPr>
+        <a:xfrm>
+          <a:off x="0" y="0"/>
+          <a:ext cx="0" cy="0"/>
+          <a:chOff x="0" y="0"/>
+          <a:chExt cx="0" cy="0"/>
+        </a:xfrm>
+      </p:grpSpPr>
+      <p:sp>
+        <p:nvSpPr>
+          <p:cNvPr id="2" name="Title 1">
+            <a:extLst>
+              <a:ext uri="{FF2B5EF4-FFF2-40B4-BE49-F238E27FC236}">
+                <a16:creationId xmlns:a16="http://schemas.microsoft.com/office/drawing/2014/main" id="{17125C45-E8D6-57B1-0246-A7B06C3AEA54}"/>
+              </a:ext>
+            </a:extLst>
+          </p:cNvPr>
+          <p:cNvSpPr>
+            <a:spLocks noGrp="1"/>
+          </p:cNvSpPr>
+          <p:nvPr>
+            <p:ph type="title"/>
+          </p:nvPr>
+        </p:nvSpPr>
+        <p:spPr>
+          <a:xfrm>
+            <a:off x="245076" y="340412"/>
+            <a:ext cx="2708189" cy="438063"/>
+          </a:xfrm>
+        </p:spPr>
+        <p:txBody>
+          <a:bodyPr>
+            <a:normAutofit fontScale="90000"/>
+          </a:bodyPr>
+          <a:lstStyle/>
+          <a:p>
+            <a:r>
+              <a:rPr lang="en-VN" dirty="0"/>
+              <a:t>Lwf</a:t>
+            </a:r>
+          </a:p>
+        </p:txBody>
+      </p:sp>
+      <p:sp>
+        <p:nvSpPr>
+          <p:cNvPr id="9" name="Rectangle 8">
+            <a:extLst>
+              <a:ext uri="{FF2B5EF4-FFF2-40B4-BE49-F238E27FC236}">
+                <a16:creationId xmlns:a16="http://schemas.microsoft.com/office/drawing/2014/main" id="{4A581C2E-B094-5DC9-28E6-C911F1D58746}"/>
+              </a:ext>
+            </a:extLst>
+          </p:cNvPr>
+          <p:cNvSpPr/>
+          <p:nvPr/>
+        </p:nvSpPr>
+        <p:spPr>
+          <a:xfrm>
+            <a:off x="5282512" y="1836521"/>
+            <a:ext cx="284204" cy="630195"/>
+          </a:xfrm>
+          <a:prstGeom prst="rect">
+            <a:avLst/>
+          </a:prstGeom>
+        </p:spPr>
+        <p:style>
+          <a:lnRef idx="2">
+            <a:schemeClr val="accent1">
+              <a:shade val="15000"/>
+            </a:schemeClr>
+          </a:lnRef>
+          <a:fillRef idx="1">
+            <a:schemeClr val="accent1"/>
+          </a:fillRef>
+          <a:effectRef idx="0">
+            <a:schemeClr val="accent1"/>
+          </a:effectRef>
+          <a:fontRef idx="minor">
+            <a:schemeClr val="lt1"/>
+          </a:fontRef>
+        </p:style>
+        <p:txBody>
+          <a:bodyPr rtlCol="0" anchor="ctr"/>
+          <a:lstStyle/>
+          <a:p>
+            <a:pPr algn="ctr"/>
+            <a:endParaRPr lang="en-VN" dirty="0"/>
+          </a:p>
+        </p:txBody>
+      </p:sp>
+      <p:sp>
+        <p:nvSpPr>
+          <p:cNvPr id="10" name="Rectangle 9">
+            <a:extLst>
+              <a:ext uri="{FF2B5EF4-FFF2-40B4-BE49-F238E27FC236}">
+                <a16:creationId xmlns:a16="http://schemas.microsoft.com/office/drawing/2014/main" id="{28C180B3-14BF-ECDC-C1BC-55B2B49E2E3F}"/>
+              </a:ext>
+            </a:extLst>
+          </p:cNvPr>
+          <p:cNvSpPr/>
+          <p:nvPr/>
+        </p:nvSpPr>
+        <p:spPr>
+          <a:xfrm>
+            <a:off x="5282512" y="3690808"/>
+            <a:ext cx="284204" cy="1310459"/>
+          </a:xfrm>
+          <a:prstGeom prst="rect">
+            <a:avLst/>
+          </a:prstGeom>
+        </p:spPr>
+        <p:style>
+          <a:lnRef idx="2">
+            <a:schemeClr val="accent1">
+              <a:shade val="15000"/>
+            </a:schemeClr>
+          </a:lnRef>
+          <a:fillRef idx="1">
+            <a:schemeClr val="accent1"/>
+          </a:fillRef>
+          <a:effectRef idx="0">
+            <a:schemeClr val="accent1"/>
+          </a:effectRef>
+          <a:fontRef idx="minor">
+            <a:schemeClr val="lt1"/>
+          </a:fontRef>
+        </p:style>
+        <p:txBody>
+          <a:bodyPr rtlCol="0" anchor="ctr"/>
+          <a:lstStyle/>
+          <a:p>
+            <a:pPr algn="ctr"/>
+            <a:endParaRPr lang="en-VN"/>
+          </a:p>
+        </p:txBody>
+      </p:sp>
+      <p:sp>
+        <p:nvSpPr>
+          <p:cNvPr id="11" name="Rectangle 10">
+            <a:extLst>
+              <a:ext uri="{FF2B5EF4-FFF2-40B4-BE49-F238E27FC236}">
+                <a16:creationId xmlns:a16="http://schemas.microsoft.com/office/drawing/2014/main" id="{F9205E31-8F35-439E-B453-72C799220FFE}"/>
+              </a:ext>
+            </a:extLst>
+          </p:cNvPr>
+          <p:cNvSpPr/>
+          <p:nvPr/>
+        </p:nvSpPr>
+        <p:spPr>
+          <a:xfrm>
+            <a:off x="1569308" y="3524764"/>
+            <a:ext cx="3089189" cy="1642548"/>
+          </a:xfrm>
+          <a:prstGeom prst="rect">
+            <a:avLst/>
+          </a:prstGeom>
+        </p:spPr>
+        <p:style>
+          <a:lnRef idx="2">
+            <a:schemeClr val="accent1">
+              <a:shade val="15000"/>
+            </a:schemeClr>
+          </a:lnRef>
+          <a:fillRef idx="1">
+            <a:schemeClr val="accent1"/>
+          </a:fillRef>
+          <a:effectRef idx="0">
+            <a:schemeClr val="accent1"/>
+          </a:effectRef>
+          <a:fontRef idx="minor">
+            <a:schemeClr val="lt1"/>
+          </a:fontRef>
+        </p:style>
+        <p:txBody>
+          <a:bodyPr rtlCol="0" anchor="ctr"/>
+          <a:lstStyle/>
+          <a:p>
+            <a:pPr algn="ctr"/>
+            <a:endParaRPr lang="en-VN" dirty="0"/>
+          </a:p>
+        </p:txBody>
+      </p:sp>
+      <p:sp>
+        <p:nvSpPr>
+          <p:cNvPr id="15" name="Rectangle 14">
+            <a:extLst>
+              <a:ext uri="{FF2B5EF4-FFF2-40B4-BE49-F238E27FC236}">
+                <a16:creationId xmlns:a16="http://schemas.microsoft.com/office/drawing/2014/main" id="{2D8EC993-B8B6-44BB-7AFA-988D8202E9A2}"/>
+              </a:ext>
+            </a:extLst>
+          </p:cNvPr>
+          <p:cNvSpPr/>
+          <p:nvPr/>
+        </p:nvSpPr>
+        <p:spPr>
+          <a:xfrm>
+            <a:off x="1569307" y="1330345"/>
+            <a:ext cx="3089189" cy="1642548"/>
+          </a:xfrm>
+          <a:prstGeom prst="rect">
+            <a:avLst/>
+          </a:prstGeom>
+        </p:spPr>
+        <p:style>
+          <a:lnRef idx="2">
+            <a:schemeClr val="accent1">
+              <a:shade val="15000"/>
+            </a:schemeClr>
+          </a:lnRef>
+          <a:fillRef idx="1">
+            <a:schemeClr val="accent1"/>
+          </a:fillRef>
+          <a:effectRef idx="0">
+            <a:schemeClr val="accent1"/>
+          </a:effectRef>
+          <a:fontRef idx="minor">
+            <a:schemeClr val="lt1"/>
+          </a:fontRef>
+        </p:style>
+        <p:txBody>
+          <a:bodyPr rtlCol="0" anchor="ctr"/>
+          <a:lstStyle/>
+          <a:p>
+            <a:pPr algn="ctr"/>
+            <a:endParaRPr lang="en-VN" dirty="0"/>
+          </a:p>
+        </p:txBody>
+      </p:sp>
+      <p:sp>
+        <p:nvSpPr>
+          <p:cNvPr id="16" name="TextBox 15">
+            <a:extLst>
+              <a:ext uri="{FF2B5EF4-FFF2-40B4-BE49-F238E27FC236}">
+                <a16:creationId xmlns:a16="http://schemas.microsoft.com/office/drawing/2014/main" id="{B2E31DEA-7E47-420A-4FEA-F70130C5FC58}"/>
+              </a:ext>
+            </a:extLst>
+          </p:cNvPr>
+          <p:cNvSpPr txBox="1"/>
+          <p:nvPr/>
+        </p:nvSpPr>
+        <p:spPr>
+          <a:xfrm>
+            <a:off x="1734065" y="5527655"/>
+            <a:ext cx="8024954" cy="1169551"/>
+          </a:xfrm>
+          <a:prstGeom prst="rect">
+            <a:avLst/>
+          </a:prstGeom>
+          <a:noFill/>
+        </p:spPr>
+        <p:txBody>
+          <a:bodyPr wrap="none" rtlCol="0">
+            <a:spAutoFit/>
+          </a:bodyPr>
+          <a:lstStyle/>
+          <a:p>
+            <a:r>
+              <a:rPr lang="en-VN" sz="1400" dirty="0"/>
+              <a:t>Loss function:</a:t>
+            </a:r>
+          </a:p>
+          <a:p>
+            <a:r>
+              <a:rPr lang="en-US" sz="1400" b="0" dirty="0">
+                <a:solidFill>
+                  <a:srgbClr val="9CDCFE"/>
+                </a:solidFill>
+                <a:effectLst/>
+                <a:latin typeface="Menlo" panose="020B0609030804020204" pitchFamily="49" charset="0"/>
+              </a:rPr>
+              <a:t>logits</a:t>
+            </a:r>
+            <a:r>
+              <a:rPr lang="en-US" sz="1400" b="0" dirty="0">
+                <a:solidFill>
+                  <a:srgbClr val="CCCCCC"/>
+                </a:solidFill>
+                <a:effectLst/>
+                <a:latin typeface="Menlo" panose="020B0609030804020204" pitchFamily="49" charset="0"/>
+              </a:rPr>
+              <a:t> </a:t>
+            </a:r>
+            <a:r>
+              <a:rPr lang="en-US" sz="1400" b="0" dirty="0">
+                <a:solidFill>
+                  <a:srgbClr val="D4D4D4"/>
+                </a:solidFill>
+                <a:effectLst/>
+                <a:latin typeface="Menlo" panose="020B0609030804020204" pitchFamily="49" charset="0"/>
+              </a:rPr>
+              <a:t>=</a:t>
+            </a:r>
+            <a:r>
+              <a:rPr lang="en-US" sz="1400" b="0" dirty="0">
+                <a:solidFill>
+                  <a:srgbClr val="CCCCCC"/>
+                </a:solidFill>
+                <a:effectLst/>
+                <a:latin typeface="Menlo" panose="020B0609030804020204" pitchFamily="49" charset="0"/>
+              </a:rPr>
+              <a:t> </a:t>
+            </a:r>
+            <a:r>
+              <a:rPr lang="en-US" sz="1400" b="0" dirty="0" err="1">
+                <a:solidFill>
+                  <a:srgbClr val="9CDCFE"/>
+                </a:solidFill>
+                <a:effectLst/>
+                <a:latin typeface="Menlo" panose="020B0609030804020204" pitchFamily="49" charset="0"/>
+              </a:rPr>
+              <a:t>self</a:t>
+            </a:r>
+            <a:r>
+              <a:rPr lang="en-US" sz="1400" b="0" dirty="0" err="1">
+                <a:solidFill>
+                  <a:srgbClr val="CCCCCC"/>
+                </a:solidFill>
+                <a:effectLst/>
+                <a:latin typeface="Menlo" panose="020B0609030804020204" pitchFamily="49" charset="0"/>
+              </a:rPr>
+              <a:t>.</a:t>
+            </a:r>
+            <a:r>
+              <a:rPr lang="en-US" sz="1400" b="0" dirty="0" err="1">
+                <a:solidFill>
+                  <a:srgbClr val="9CDCFE"/>
+                </a:solidFill>
+                <a:effectLst/>
+                <a:latin typeface="Menlo" panose="020B0609030804020204" pitchFamily="49" charset="0"/>
+              </a:rPr>
+              <a:t>_network</a:t>
+            </a:r>
+            <a:r>
+              <a:rPr lang="en-US" sz="1400" b="0" dirty="0">
+                <a:solidFill>
+                  <a:srgbClr val="CCCCCC"/>
+                </a:solidFill>
+                <a:effectLst/>
+                <a:latin typeface="Menlo" panose="020B0609030804020204" pitchFamily="49" charset="0"/>
+              </a:rPr>
+              <a:t>(</a:t>
+            </a:r>
+            <a:r>
+              <a:rPr lang="en-US" sz="1400" b="0" dirty="0">
+                <a:solidFill>
+                  <a:srgbClr val="9CDCFE"/>
+                </a:solidFill>
+                <a:effectLst/>
+                <a:latin typeface="Menlo" panose="020B0609030804020204" pitchFamily="49" charset="0"/>
+              </a:rPr>
+              <a:t>inputs</a:t>
+            </a:r>
+            <a:r>
+              <a:rPr lang="en-US" sz="1400" b="0" dirty="0">
+                <a:solidFill>
+                  <a:srgbClr val="CCCCCC"/>
+                </a:solidFill>
+                <a:effectLst/>
+                <a:latin typeface="Menlo" panose="020B0609030804020204" pitchFamily="49" charset="0"/>
+              </a:rPr>
+              <a:t>)[</a:t>
+            </a:r>
+            <a:r>
+              <a:rPr lang="en-US" sz="1400" b="0" dirty="0">
+                <a:solidFill>
+                  <a:srgbClr val="CE9178"/>
+                </a:solidFill>
+                <a:effectLst/>
+                <a:latin typeface="Menlo" panose="020B0609030804020204" pitchFamily="49" charset="0"/>
+              </a:rPr>
+              <a:t>"logits"</a:t>
+            </a:r>
+            <a:r>
+              <a:rPr lang="en-US" sz="1400" b="0" dirty="0">
+                <a:solidFill>
+                  <a:srgbClr val="CCCCCC"/>
+                </a:solidFill>
+                <a:effectLst/>
+                <a:latin typeface="Menlo" panose="020B0609030804020204" pitchFamily="49" charset="0"/>
+              </a:rPr>
+              <a:t>]</a:t>
+            </a:r>
+          </a:p>
+          <a:p>
+            <a:r>
+              <a:rPr lang="en-US" sz="1400" b="0" dirty="0" err="1">
+                <a:solidFill>
+                  <a:srgbClr val="9CDCFE"/>
+                </a:solidFill>
+                <a:effectLst/>
+                <a:latin typeface="Menlo" panose="020B0609030804020204" pitchFamily="49" charset="0"/>
+              </a:rPr>
+              <a:t>fake_targets</a:t>
+            </a:r>
+            <a:r>
+              <a:rPr lang="en-US" sz="1400" b="0" dirty="0">
+                <a:solidFill>
+                  <a:srgbClr val="CCCCCC"/>
+                </a:solidFill>
+                <a:effectLst/>
+                <a:latin typeface="Menlo" panose="020B0609030804020204" pitchFamily="49" charset="0"/>
+              </a:rPr>
+              <a:t> </a:t>
+            </a:r>
+            <a:r>
+              <a:rPr lang="en-US" sz="1400" b="0" dirty="0">
+                <a:solidFill>
+                  <a:srgbClr val="D4D4D4"/>
+                </a:solidFill>
+                <a:effectLst/>
+                <a:latin typeface="Menlo" panose="020B0609030804020204" pitchFamily="49" charset="0"/>
+              </a:rPr>
+              <a:t>=</a:t>
+            </a:r>
+            <a:r>
+              <a:rPr lang="en-US" sz="1400" b="0" dirty="0">
+                <a:solidFill>
+                  <a:srgbClr val="CCCCCC"/>
+                </a:solidFill>
+                <a:effectLst/>
+                <a:latin typeface="Menlo" panose="020B0609030804020204" pitchFamily="49" charset="0"/>
+              </a:rPr>
+              <a:t> </a:t>
+            </a:r>
+            <a:r>
+              <a:rPr lang="en-US" sz="1400" b="0" dirty="0">
+                <a:solidFill>
+                  <a:srgbClr val="9CDCFE"/>
+                </a:solidFill>
+                <a:effectLst/>
+                <a:latin typeface="Menlo" panose="020B0609030804020204" pitchFamily="49" charset="0"/>
+              </a:rPr>
+              <a:t>targets</a:t>
+            </a:r>
+            <a:r>
+              <a:rPr lang="en-US" sz="1400" b="0" dirty="0">
+                <a:solidFill>
+                  <a:srgbClr val="CCCCCC"/>
+                </a:solidFill>
+                <a:effectLst/>
+                <a:latin typeface="Menlo" panose="020B0609030804020204" pitchFamily="49" charset="0"/>
+              </a:rPr>
+              <a:t> </a:t>
+            </a:r>
+            <a:r>
+              <a:rPr lang="en-US" sz="1400" b="0" dirty="0">
+                <a:solidFill>
+                  <a:srgbClr val="D4D4D4"/>
+                </a:solidFill>
+                <a:effectLst/>
+                <a:latin typeface="Menlo" panose="020B0609030804020204" pitchFamily="49" charset="0"/>
+              </a:rPr>
+              <a:t>-</a:t>
+            </a:r>
+            <a:r>
+              <a:rPr lang="en-US" sz="1400" b="0" dirty="0">
+                <a:solidFill>
+                  <a:srgbClr val="CCCCCC"/>
+                </a:solidFill>
+                <a:effectLst/>
+                <a:latin typeface="Menlo" panose="020B0609030804020204" pitchFamily="49" charset="0"/>
+              </a:rPr>
+              <a:t> </a:t>
+            </a:r>
+            <a:r>
+              <a:rPr lang="en-US" sz="1400" b="0" dirty="0">
+                <a:solidFill>
+                  <a:srgbClr val="9CDCFE"/>
+                </a:solidFill>
+                <a:effectLst/>
+                <a:latin typeface="Menlo" panose="020B0609030804020204" pitchFamily="49" charset="0"/>
+              </a:rPr>
+              <a:t>self</a:t>
+            </a:r>
+            <a:r>
+              <a:rPr lang="en-US" sz="1400" b="0" dirty="0">
+                <a:solidFill>
+                  <a:srgbClr val="CCCCCC"/>
+                </a:solidFill>
+                <a:effectLst/>
+                <a:latin typeface="Menlo" panose="020B0609030804020204" pitchFamily="49" charset="0"/>
+              </a:rPr>
+              <a:t>.</a:t>
+            </a:r>
+            <a:r>
+              <a:rPr lang="en-US" sz="1400" b="0" dirty="0">
+                <a:solidFill>
+                  <a:srgbClr val="9CDCFE"/>
+                </a:solidFill>
+                <a:effectLst/>
+                <a:latin typeface="Menlo" panose="020B0609030804020204" pitchFamily="49" charset="0"/>
+              </a:rPr>
+              <a:t>_</a:t>
+            </a:r>
+            <a:r>
+              <a:rPr lang="en-US" sz="1400" b="0" dirty="0" err="1">
+                <a:solidFill>
+                  <a:srgbClr val="9CDCFE"/>
+                </a:solidFill>
+                <a:effectLst/>
+                <a:latin typeface="Menlo" panose="020B0609030804020204" pitchFamily="49" charset="0"/>
+              </a:rPr>
+              <a:t>known_classes</a:t>
+            </a:r>
+            <a:endParaRPr lang="en-US" sz="1400" b="0" dirty="0">
+              <a:solidFill>
+                <a:srgbClr val="CCCCCC"/>
+              </a:solidFill>
+              <a:effectLst/>
+              <a:latin typeface="Menlo" panose="020B0609030804020204" pitchFamily="49" charset="0"/>
+            </a:endParaRPr>
+          </a:p>
+          <a:p>
+            <a:r>
+              <a:rPr lang="en-US" sz="1400" b="0" dirty="0" err="1">
+                <a:solidFill>
+                  <a:srgbClr val="9CDCFE"/>
+                </a:solidFill>
+                <a:effectLst/>
+                <a:latin typeface="Menlo" panose="020B0609030804020204" pitchFamily="49" charset="0"/>
+              </a:rPr>
+              <a:t>loss_clf</a:t>
+            </a:r>
+            <a:r>
+              <a:rPr lang="en-US" sz="1400" b="0" dirty="0">
+                <a:solidFill>
+                  <a:srgbClr val="CCCCCC"/>
+                </a:solidFill>
+                <a:effectLst/>
+                <a:latin typeface="Menlo" panose="020B0609030804020204" pitchFamily="49" charset="0"/>
+              </a:rPr>
+              <a:t> </a:t>
+            </a:r>
+            <a:r>
+              <a:rPr lang="en-US" sz="1400" b="0" dirty="0">
+                <a:solidFill>
+                  <a:srgbClr val="D4D4D4"/>
+                </a:solidFill>
+                <a:effectLst/>
+                <a:latin typeface="Menlo" panose="020B0609030804020204" pitchFamily="49" charset="0"/>
+              </a:rPr>
+              <a:t>=</a:t>
+            </a:r>
+            <a:r>
+              <a:rPr lang="en-US" sz="1400" b="0" dirty="0">
+                <a:solidFill>
+                  <a:srgbClr val="CCCCCC"/>
+                </a:solidFill>
+                <a:effectLst/>
+                <a:latin typeface="Menlo" panose="020B0609030804020204" pitchFamily="49" charset="0"/>
+              </a:rPr>
+              <a:t> </a:t>
+            </a:r>
+            <a:r>
+              <a:rPr lang="en-US" sz="1400" b="0" dirty="0" err="1">
+                <a:solidFill>
+                  <a:srgbClr val="4EC9B0"/>
+                </a:solidFill>
+                <a:effectLst/>
+                <a:latin typeface="Menlo" panose="020B0609030804020204" pitchFamily="49" charset="0"/>
+              </a:rPr>
+              <a:t>F</a:t>
+            </a:r>
+            <a:r>
+              <a:rPr lang="en-US" sz="1400" b="0" dirty="0" err="1">
+                <a:solidFill>
+                  <a:srgbClr val="CCCCCC"/>
+                </a:solidFill>
+                <a:effectLst/>
+                <a:latin typeface="Menlo" panose="020B0609030804020204" pitchFamily="49" charset="0"/>
+              </a:rPr>
+              <a:t>.</a:t>
+            </a:r>
+            <a:r>
+              <a:rPr lang="en-US" sz="1400" b="0" dirty="0" err="1">
+                <a:solidFill>
+                  <a:srgbClr val="DCDCAA"/>
+                </a:solidFill>
+                <a:effectLst/>
+                <a:latin typeface="Menlo" panose="020B0609030804020204" pitchFamily="49" charset="0"/>
+              </a:rPr>
+              <a:t>cross_entropy</a:t>
+            </a:r>
+            <a:r>
+              <a:rPr lang="en-US" sz="1400" b="0" dirty="0">
+                <a:solidFill>
+                  <a:srgbClr val="CCCCCC"/>
+                </a:solidFill>
+                <a:effectLst/>
+                <a:latin typeface="Menlo" panose="020B0609030804020204" pitchFamily="49" charset="0"/>
+              </a:rPr>
+              <a:t>(</a:t>
+            </a:r>
+            <a:r>
+              <a:rPr lang="en-US" sz="1400" b="0" dirty="0">
+                <a:solidFill>
+                  <a:srgbClr val="9CDCFE"/>
+                </a:solidFill>
+                <a:effectLst/>
+                <a:latin typeface="Menlo" panose="020B0609030804020204" pitchFamily="49" charset="0"/>
+              </a:rPr>
+              <a:t>logits</a:t>
+            </a:r>
+            <a:r>
+              <a:rPr lang="en-US" sz="1400" b="0" dirty="0">
+                <a:solidFill>
+                  <a:srgbClr val="CCCCCC"/>
+                </a:solidFill>
+                <a:effectLst/>
+                <a:latin typeface="Menlo" panose="020B0609030804020204" pitchFamily="49" charset="0"/>
+              </a:rPr>
+              <a:t>[:, </a:t>
+            </a:r>
+            <a:r>
+              <a:rPr lang="en-US" sz="1400" b="0" dirty="0">
+                <a:solidFill>
+                  <a:srgbClr val="9CDCFE"/>
+                </a:solidFill>
+                <a:effectLst/>
+                <a:latin typeface="Menlo" panose="020B0609030804020204" pitchFamily="49" charset="0"/>
+              </a:rPr>
+              <a:t>self</a:t>
+            </a:r>
+            <a:r>
+              <a:rPr lang="en-US" sz="1400" b="0" dirty="0">
+                <a:solidFill>
+                  <a:srgbClr val="CCCCCC"/>
+                </a:solidFill>
+                <a:effectLst/>
+                <a:latin typeface="Menlo" panose="020B0609030804020204" pitchFamily="49" charset="0"/>
+              </a:rPr>
+              <a:t>.</a:t>
+            </a:r>
+            <a:r>
+              <a:rPr lang="en-US" sz="1400" b="0" dirty="0">
+                <a:solidFill>
+                  <a:srgbClr val="9CDCFE"/>
+                </a:solidFill>
+                <a:effectLst/>
+                <a:latin typeface="Menlo" panose="020B0609030804020204" pitchFamily="49" charset="0"/>
+              </a:rPr>
+              <a:t>_</a:t>
+            </a:r>
+            <a:r>
+              <a:rPr lang="en-US" sz="1400" b="0" dirty="0" err="1">
+                <a:solidFill>
+                  <a:srgbClr val="9CDCFE"/>
+                </a:solidFill>
+                <a:effectLst/>
+                <a:latin typeface="Menlo" panose="020B0609030804020204" pitchFamily="49" charset="0"/>
+              </a:rPr>
+              <a:t>known_classes</a:t>
+            </a:r>
+            <a:r>
+              <a:rPr lang="en-US" sz="1400" b="0" dirty="0">
+                <a:solidFill>
+                  <a:srgbClr val="CCCCCC"/>
+                </a:solidFill>
+                <a:effectLst/>
+                <a:latin typeface="Menlo" panose="020B0609030804020204" pitchFamily="49" charset="0"/>
+              </a:rPr>
+              <a:t>:], </a:t>
+            </a:r>
+            <a:r>
+              <a:rPr lang="en-US" sz="1400" b="0" dirty="0" err="1">
+                <a:solidFill>
+                  <a:srgbClr val="9CDCFE"/>
+                </a:solidFill>
+                <a:effectLst/>
+                <a:latin typeface="Menlo" panose="020B0609030804020204" pitchFamily="49" charset="0"/>
+              </a:rPr>
+              <a:t>fake_targets</a:t>
+            </a:r>
+            <a:r>
+              <a:rPr lang="en-US" sz="1400" b="0" dirty="0">
+                <a:solidFill>
+                  <a:srgbClr val="CCCCCC"/>
+                </a:solidFill>
+                <a:effectLst/>
+                <a:latin typeface="Menlo" panose="020B0609030804020204" pitchFamily="49" charset="0"/>
+              </a:rPr>
+              <a:t>)</a:t>
+            </a:r>
+          </a:p>
+          <a:p>
+            <a:endParaRPr lang="en-VN" sz="1400" dirty="0"/>
+          </a:p>
+        </p:txBody>
+      </p:sp>
+      <p:sp>
+        <p:nvSpPr>
+          <p:cNvPr id="4" name="TextBox 3">
+            <a:extLst>
+              <a:ext uri="{FF2B5EF4-FFF2-40B4-BE49-F238E27FC236}">
+                <a16:creationId xmlns:a16="http://schemas.microsoft.com/office/drawing/2014/main" id="{C5ED08DD-8CA5-70D7-EA7B-8DCC11A26427}"/>
+              </a:ext>
+            </a:extLst>
+          </p:cNvPr>
+          <p:cNvSpPr txBox="1"/>
+          <p:nvPr/>
+        </p:nvSpPr>
+        <p:spPr>
+          <a:xfrm>
+            <a:off x="6759146" y="741405"/>
+            <a:ext cx="3163330" cy="369332"/>
+          </a:xfrm>
+          <a:prstGeom prst="rect">
+            <a:avLst/>
+          </a:prstGeom>
+          <a:noFill/>
+        </p:spPr>
+        <p:txBody>
+          <a:bodyPr wrap="square" rtlCol="0">
+            <a:spAutoFit/>
+          </a:bodyPr>
+          <a:lstStyle/>
+          <a:p>
+            <a:r>
+              <a:rPr lang="en-VN" dirty="0"/>
+              <a:t>Using a new loss function</a:t>
+            </a:r>
+          </a:p>
+        </p:txBody>
+      </p:sp>
+    </p:spTree>
+    <p:extLst>
+      <p:ext uri="{BB962C8B-B14F-4D97-AF65-F5344CB8AC3E}">
+        <p14:creationId xmlns:p14="http://schemas.microsoft.com/office/powerpoint/2010/main" val="597613599"/>
+      </p:ext>
+    </p:extLst>
+  </p:cSld>
+  <p:clrMapOvr>
+    <a:masterClrMapping/>
+  </p:clrMapOvr>
+</p:sld>
+</file>
+
+<file path=ppt/slides/slide5.xml><?xml version="1.0" encoding="utf-8"?>
+<p:sld xmlns:a="http://schemas.openxmlformats.org/drawingml/2006/main" xmlns:r="http://schemas.openxmlformats.org/officeDocument/2006/relationships" xmlns:p="http://schemas.openxmlformats.org/presentationml/2006/main">
+  <p:cSld>
+    <p:spTree>
+      <p:nvGrpSpPr>
+        <p:cNvPr id="1" name=""/>
+        <p:cNvGrpSpPr/>
+        <p:nvPr/>
+      </p:nvGrpSpPr>
+      <p:grpSpPr>
+        <a:xfrm>
+          <a:off x="0" y="0"/>
+          <a:ext cx="0" cy="0"/>
+          <a:chOff x="0" y="0"/>
+          <a:chExt cx="0" cy="0"/>
+        </a:xfrm>
+      </p:grpSpPr>
+      <p:sp>
+        <p:nvSpPr>
+          <p:cNvPr id="2" name="Title 1">
+            <a:extLst>
+              <a:ext uri="{FF2B5EF4-FFF2-40B4-BE49-F238E27FC236}">
+                <a16:creationId xmlns:a16="http://schemas.microsoft.com/office/drawing/2014/main" id="{4E6CF6C4-1C93-F81A-2F31-44C0FE14BF24}"/>
+              </a:ext>
+            </a:extLst>
+          </p:cNvPr>
+          <p:cNvSpPr>
+            <a:spLocks noGrp="1"/>
+          </p:cNvSpPr>
+          <p:nvPr>
+            <p:ph type="title"/>
+          </p:nvPr>
+        </p:nvSpPr>
+        <p:spPr/>
+        <p:txBody>
+          <a:bodyPr/>
+          <a:lstStyle/>
+          <a:p>
+            <a:endParaRPr lang="en-VN"/>
+          </a:p>
+        </p:txBody>
+      </p:sp>
+      <p:sp>
+        <p:nvSpPr>
+          <p:cNvPr id="3" name="Content Placeholder 2">
+            <a:extLst>
+              <a:ext uri="{FF2B5EF4-FFF2-40B4-BE49-F238E27FC236}">
+                <a16:creationId xmlns:a16="http://schemas.microsoft.com/office/drawing/2014/main" id="{69ED4814-A8A3-6EE2-66F0-A45DF44BE76E}"/>
+              </a:ext>
+            </a:extLst>
+          </p:cNvPr>
+          <p:cNvSpPr>
+            <a:spLocks noGrp="1"/>
+          </p:cNvSpPr>
+          <p:nvPr>
+            <p:ph idx="1"/>
+          </p:nvPr>
+        </p:nvSpPr>
+        <p:spPr/>
+        <p:txBody>
+          <a:bodyPr/>
+          <a:lstStyle/>
+          <a:p>
+            <a:endParaRPr lang="en-VN"/>
+          </a:p>
+        </p:txBody>
+      </p:sp>
+    </p:spTree>
+    <p:extLst>
+      <p:ext uri="{BB962C8B-B14F-4D97-AF65-F5344CB8AC3E}">
+        <p14:creationId xmlns:p14="http://schemas.microsoft.com/office/powerpoint/2010/main" val="3032119484"/>
       </p:ext>
     </p:extLst>
   </p:cSld>
